--- a/需求工程ppt1.0.pptx
+++ b/需求工程ppt1.0.pptx
@@ -7003,7 +7003,7 @@
         </p:blipFill>
         <p:spPr>
           <a:xfrm>
-            <a:off x="1735455" y="2058670"/>
+            <a:off x="1475740" y="1997075"/>
             <a:ext cx="9240520" cy="1467485"/>
           </a:xfrm>
           <a:prstGeom prst="rect">
@@ -7031,7 +7031,7 @@
         </p:blipFill>
         <p:spPr>
           <a:xfrm>
-            <a:off x="1735455" y="3526155"/>
+            <a:off x="1582420" y="3526155"/>
             <a:ext cx="8710295" cy="2835910"/>
           </a:xfrm>
           <a:prstGeom prst="rect">
@@ -13438,7 +13438,7 @@
       </p:sp>
       <p:pic>
         <p:nvPicPr>
-          <p:cNvPr id="6" name="图片 1" descr="流程图 (1)"/>
+          <p:cNvPr id="3" name="图片 1" descr="流程图 (3)"/>
           <p:cNvPicPr>
             <a:picLocks noChangeAspect="1"/>
           </p:cNvPicPr>
@@ -13452,8 +13452,8 @@
         </p:blipFill>
         <p:spPr>
           <a:xfrm>
-            <a:off x="5093970" y="508000"/>
-            <a:ext cx="6520180" cy="5841365"/>
+            <a:off x="4723130" y="434975"/>
+            <a:ext cx="6365240" cy="5988685"/>
           </a:xfrm>
           <a:prstGeom prst="rect">
             <a:avLst/>
